--- a/output/figure/Figures.pptx
+++ b/output/figure/Figures.pptx
@@ -5,14 +5,15 @@
     <p:sldMasterId id="2147483648" r:id="rId1"/>
   </p:sldMasterIdLst>
   <p:notesMasterIdLst>
-    <p:notesMasterId r:id="rId7"/>
+    <p:notesMasterId r:id="rId8"/>
   </p:notesMasterIdLst>
   <p:sldIdLst>
     <p:sldId id="261" r:id="rId2"/>
     <p:sldId id="263" r:id="rId3"/>
     <p:sldId id="265" r:id="rId4"/>
     <p:sldId id="267" r:id="rId5"/>
-    <p:sldId id="268" r:id="rId6"/>
+    <p:sldId id="269" r:id="rId6"/>
+    <p:sldId id="268" r:id="rId7"/>
   </p:sldIdLst>
   <p:sldSz cx="12192000" cy="6858000"/>
   <p:notesSz cx="6858000" cy="9144000"/>
@@ -201,7 +202,7 @@
           <a:p>
             <a:fld id="{389DC22B-1384-42B1-AF71-4506974D4889}" type="datetimeFigureOut">
               <a:rPr lang="zh-CN" altLang="en-US" smtClean="0"/>
-              <a:t>2020/12/6</a:t>
+              <a:t>2021/1/7</a:t>
             </a:fld>
             <a:endParaRPr lang="zh-CN" altLang="en-US"/>
           </a:p>
@@ -636,6 +637,90 @@
 </p:notes>
 </file>
 
+<file path=ppt/notesSlides/notesSlide3.xml><?xml version="1.0" encoding="utf-8"?>
+<p:notes xmlns:a="http://schemas.openxmlformats.org/drawingml/2006/main" xmlns:r="http://schemas.openxmlformats.org/officeDocument/2006/relationships" xmlns:p="http://schemas.openxmlformats.org/presentationml/2006/main">
+  <p:cSld>
+    <p:spTree>
+      <p:nvGrpSpPr>
+        <p:cNvPr id="1" name=""/>
+        <p:cNvGrpSpPr/>
+        <p:nvPr/>
+      </p:nvGrpSpPr>
+      <p:grpSpPr>
+        <a:xfrm>
+          <a:off x="0" y="0"/>
+          <a:ext cx="0" cy="0"/>
+          <a:chOff x="0" y="0"/>
+          <a:chExt cx="0" cy="0"/>
+        </a:xfrm>
+      </p:grpSpPr>
+      <p:sp>
+        <p:nvSpPr>
+          <p:cNvPr id="2" name="幻灯片图像占位符 1"/>
+          <p:cNvSpPr>
+            <a:spLocks noGrp="1" noRot="1" noChangeAspect="1"/>
+          </p:cNvSpPr>
+          <p:nvPr>
+            <p:ph type="sldImg"/>
+          </p:nvPr>
+        </p:nvSpPr>
+        <p:spPr/>
+      </p:sp>
+      <p:sp>
+        <p:nvSpPr>
+          <p:cNvPr id="3" name="备注占位符 2"/>
+          <p:cNvSpPr>
+            <a:spLocks noGrp="1"/>
+          </p:cNvSpPr>
+          <p:nvPr>
+            <p:ph type="body" idx="1"/>
+          </p:nvPr>
+        </p:nvSpPr>
+        <p:spPr/>
+        <p:txBody>
+          <a:bodyPr/>
+          <a:lstStyle/>
+          <a:p>
+            <a:endParaRPr lang="zh-CN" altLang="en-US" dirty="0"/>
+          </a:p>
+        </p:txBody>
+      </p:sp>
+      <p:sp>
+        <p:nvSpPr>
+          <p:cNvPr id="4" name="灯片编号占位符 3"/>
+          <p:cNvSpPr>
+            <a:spLocks noGrp="1"/>
+          </p:cNvSpPr>
+          <p:nvPr>
+            <p:ph type="sldNum" sz="quarter" idx="5"/>
+          </p:nvPr>
+        </p:nvSpPr>
+        <p:spPr/>
+        <p:txBody>
+          <a:bodyPr/>
+          <a:lstStyle/>
+          <a:p>
+            <a:fld id="{1D974D56-E462-44E1-8101-422BC74570D7}" type="slidenum">
+              <a:rPr lang="zh-CN" altLang="en-US" smtClean="0"/>
+              <a:t>5</a:t>
+            </a:fld>
+            <a:endParaRPr lang="zh-CN" altLang="en-US"/>
+          </a:p>
+        </p:txBody>
+      </p:sp>
+    </p:spTree>
+    <p:extLst>
+      <p:ext uri="{BB962C8B-B14F-4D97-AF65-F5344CB8AC3E}">
+        <p14:creationId xmlns:p14="http://schemas.microsoft.com/office/powerpoint/2010/main" val="3769024567"/>
+      </p:ext>
+    </p:extLst>
+  </p:cSld>
+  <p:clrMapOvr>
+    <a:masterClrMapping/>
+  </p:clrMapOvr>
+</p:notes>
+</file>
+
 <file path=ppt/slideLayouts/slideLayout1.xml><?xml version="1.0" encoding="utf-8"?>
 <p:sldLayout xmlns:a="http://schemas.openxmlformats.org/drawingml/2006/main" xmlns:r="http://schemas.openxmlformats.org/officeDocument/2006/relationships" xmlns:p="http://schemas.openxmlformats.org/presentationml/2006/main" type="title" preserve="1">
   <p:cSld name="标题幻灯片">
@@ -765,7 +850,7 @@
           <a:p>
             <a:fld id="{2102AC59-6C01-4541-BBFA-A1FFB66DF693}" type="datetimeFigureOut">
               <a:rPr lang="zh-CN" altLang="en-US" smtClean="0"/>
-              <a:t>2020/12/6</a:t>
+              <a:t>2021/1/7</a:t>
             </a:fld>
             <a:endParaRPr lang="zh-CN" altLang="en-US"/>
           </a:p>
@@ -933,7 +1018,7 @@
           <a:p>
             <a:fld id="{2102AC59-6C01-4541-BBFA-A1FFB66DF693}" type="datetimeFigureOut">
               <a:rPr lang="zh-CN" altLang="en-US" smtClean="0"/>
-              <a:t>2020/12/6</a:t>
+              <a:t>2021/1/7</a:t>
             </a:fld>
             <a:endParaRPr lang="zh-CN" altLang="en-US"/>
           </a:p>
@@ -1111,7 +1196,7 @@
           <a:p>
             <a:fld id="{2102AC59-6C01-4541-BBFA-A1FFB66DF693}" type="datetimeFigureOut">
               <a:rPr lang="zh-CN" altLang="en-US" smtClean="0"/>
-              <a:t>2020/12/6</a:t>
+              <a:t>2021/1/7</a:t>
             </a:fld>
             <a:endParaRPr lang="zh-CN" altLang="en-US"/>
           </a:p>
@@ -1279,7 +1364,7 @@
           <a:p>
             <a:fld id="{2102AC59-6C01-4541-BBFA-A1FFB66DF693}" type="datetimeFigureOut">
               <a:rPr lang="zh-CN" altLang="en-US" smtClean="0"/>
-              <a:t>2020/12/6</a:t>
+              <a:t>2021/1/7</a:t>
             </a:fld>
             <a:endParaRPr lang="zh-CN" altLang="en-US"/>
           </a:p>
@@ -1524,7 +1609,7 @@
           <a:p>
             <a:fld id="{2102AC59-6C01-4541-BBFA-A1FFB66DF693}" type="datetimeFigureOut">
               <a:rPr lang="zh-CN" altLang="en-US" smtClean="0"/>
-              <a:t>2020/12/6</a:t>
+              <a:t>2021/1/7</a:t>
             </a:fld>
             <a:endParaRPr lang="zh-CN" altLang="en-US"/>
           </a:p>
@@ -1753,7 +1838,7 @@
           <a:p>
             <a:fld id="{2102AC59-6C01-4541-BBFA-A1FFB66DF693}" type="datetimeFigureOut">
               <a:rPr lang="zh-CN" altLang="en-US" smtClean="0"/>
-              <a:t>2020/12/6</a:t>
+              <a:t>2021/1/7</a:t>
             </a:fld>
             <a:endParaRPr lang="zh-CN" altLang="en-US"/>
           </a:p>
@@ -2117,7 +2202,7 @@
           <a:p>
             <a:fld id="{2102AC59-6C01-4541-BBFA-A1FFB66DF693}" type="datetimeFigureOut">
               <a:rPr lang="zh-CN" altLang="en-US" smtClean="0"/>
-              <a:t>2020/12/6</a:t>
+              <a:t>2021/1/7</a:t>
             </a:fld>
             <a:endParaRPr lang="zh-CN" altLang="en-US"/>
           </a:p>
@@ -2234,7 +2319,7 @@
           <a:p>
             <a:fld id="{2102AC59-6C01-4541-BBFA-A1FFB66DF693}" type="datetimeFigureOut">
               <a:rPr lang="zh-CN" altLang="en-US" smtClean="0"/>
-              <a:t>2020/12/6</a:t>
+              <a:t>2021/1/7</a:t>
             </a:fld>
             <a:endParaRPr lang="zh-CN" altLang="en-US"/>
           </a:p>
@@ -2329,7 +2414,7 @@
           <a:p>
             <a:fld id="{2102AC59-6C01-4541-BBFA-A1FFB66DF693}" type="datetimeFigureOut">
               <a:rPr lang="zh-CN" altLang="en-US" smtClean="0"/>
-              <a:t>2020/12/6</a:t>
+              <a:t>2021/1/7</a:t>
             </a:fld>
             <a:endParaRPr lang="zh-CN" altLang="en-US"/>
           </a:p>
@@ -2604,7 +2689,7 @@
           <a:p>
             <a:fld id="{2102AC59-6C01-4541-BBFA-A1FFB66DF693}" type="datetimeFigureOut">
               <a:rPr lang="zh-CN" altLang="en-US" smtClean="0"/>
-              <a:t>2020/12/6</a:t>
+              <a:t>2021/1/7</a:t>
             </a:fld>
             <a:endParaRPr lang="zh-CN" altLang="en-US"/>
           </a:p>
@@ -2856,7 +2941,7 @@
           <a:p>
             <a:fld id="{2102AC59-6C01-4541-BBFA-A1FFB66DF693}" type="datetimeFigureOut">
               <a:rPr lang="zh-CN" altLang="en-US" smtClean="0"/>
-              <a:t>2020/12/6</a:t>
+              <a:t>2021/1/7</a:t>
             </a:fld>
             <a:endParaRPr lang="zh-CN" altLang="en-US"/>
           </a:p>
@@ -3067,7 +3152,7 @@
           <a:p>
             <a:fld id="{2102AC59-6C01-4541-BBFA-A1FFB66DF693}" type="datetimeFigureOut">
               <a:rPr lang="zh-CN" altLang="en-US" smtClean="0"/>
-              <a:t>2020/12/6</a:t>
+              <a:t>2021/1/7</a:t>
             </a:fld>
             <a:endParaRPr lang="zh-CN" altLang="en-US"/>
           </a:p>
@@ -18736,8 +18821,8 @@
           </a:prstGeom>
         </p:spPr>
       </p:pic>
-      <mc:AlternateContent xmlns:mc="http://schemas.openxmlformats.org/markup-compatibility/2006">
-        <mc:Choice xmlns:a14="http://schemas.microsoft.com/office/drawing/2010/main" Requires="a14">
+      <mc:AlternateContent xmlns:mc="http://schemas.openxmlformats.org/markup-compatibility/2006" xmlns:a14="http://schemas.microsoft.com/office/drawing/2010/main">
+        <mc:Choice Requires="a14">
           <p:graphicFrame>
             <p:nvGraphicFramePr>
               <p:cNvPr id="23" name="Table 2"/>
@@ -19531,7 +19616,7 @@
             </a:graphic>
           </p:graphicFrame>
         </mc:Choice>
-        <mc:Fallback>
+        <mc:Fallback xmlns="">
           <p:graphicFrame>
             <p:nvGraphicFramePr>
               <p:cNvPr id="23" name="Table 2"/>
@@ -20779,7 +20864,7 @@
           <a:graphicData uri="http://schemas.openxmlformats.org/presentationml/2006/ole">
             <mc:AlternateContent xmlns:mc="http://schemas.openxmlformats.org/markup-compatibility/2006">
               <mc:Choice xmlns:v="urn:schemas-microsoft-com:vml" Requires="v">
-                <p:oleObj spid="_x0000_s1034" name="Worksheet" r:id="rId6" imgW="3055797" imgH="4564230" progId="Excel.Sheet.12">
+                <p:oleObj spid="_x0000_s1064" name="Worksheet" r:id="rId6" imgW="3055797" imgH="4564230" progId="Excel.Sheet.12">
                   <p:embed/>
                 </p:oleObj>
               </mc:Choice>
@@ -20878,7 +20963,7 @@
           <a:graphicData uri="http://schemas.openxmlformats.org/presentationml/2006/ole">
             <mc:AlternateContent xmlns:mc="http://schemas.openxmlformats.org/markup-compatibility/2006">
               <mc:Choice xmlns:v="urn:schemas-microsoft-com:vml" Requires="v">
-                <p:oleObj spid="_x0000_s3090" name="Worksheet" r:id="rId4" imgW="5295865" imgH="4564230" progId="Excel.Sheet.12">
+                <p:oleObj spid="_x0000_s3150" name="Worksheet" r:id="rId4" imgW="5295865" imgH="4564230" progId="Excel.Sheet.12">
                   <p:embed/>
                 </p:oleObj>
               </mc:Choice>
@@ -20913,8 +20998,8 @@
           </a:graphicData>
         </a:graphic>
       </p:graphicFrame>
-      <mc:AlternateContent xmlns:mc="http://schemas.openxmlformats.org/markup-compatibility/2006">
-        <mc:Choice xmlns:a14="http://schemas.microsoft.com/office/drawing/2010/main" Requires="a14">
+      <mc:AlternateContent xmlns:mc="http://schemas.openxmlformats.org/markup-compatibility/2006" xmlns:a14="http://schemas.microsoft.com/office/drawing/2010/main">
+        <mc:Choice Requires="a14">
           <p:graphicFrame>
             <p:nvGraphicFramePr>
               <p:cNvPr id="23" name="Table 2"/>
@@ -21708,7 +21793,7 @@
             </a:graphic>
           </p:graphicFrame>
         </mc:Choice>
-        <mc:Fallback>
+        <mc:Fallback xmlns="">
           <p:graphicFrame>
             <p:nvGraphicFramePr>
               <p:cNvPr id="23" name="Table 2"/>
@@ -22956,7 +23041,7 @@
           <a:graphicData uri="http://schemas.openxmlformats.org/presentationml/2006/ole">
             <mc:AlternateContent xmlns:mc="http://schemas.openxmlformats.org/markup-compatibility/2006">
               <mc:Choice xmlns:v="urn:schemas-microsoft-com:vml" Requires="v">
-                <p:oleObj spid="_x0000_s3091" name="Worksheet" r:id="rId7" imgW="3055797" imgH="4564230" progId="Excel.Sheet.12">
+                <p:oleObj spid="_x0000_s3151" name="Worksheet" r:id="rId7" imgW="3055797" imgH="4564230" progId="Excel.Sheet.12">
                   <p:embed/>
                 </p:oleObj>
               </mc:Choice>
@@ -23352,6 +23437,1961 @@
 </file>
 
 <file path=ppt/slides/slide5.xml><?xml version="1.0" encoding="utf-8"?>
+<p:sld xmlns:a="http://schemas.openxmlformats.org/drawingml/2006/main" xmlns:r="http://schemas.openxmlformats.org/officeDocument/2006/relationships" xmlns:p="http://schemas.openxmlformats.org/presentationml/2006/main">
+  <p:cSld>
+    <p:spTree>
+      <p:nvGrpSpPr>
+        <p:cNvPr id="1" name=""/>
+        <p:cNvGrpSpPr/>
+        <p:nvPr/>
+      </p:nvGrpSpPr>
+      <p:grpSpPr>
+        <a:xfrm>
+          <a:off x="0" y="0"/>
+          <a:ext cx="0" cy="0"/>
+          <a:chOff x="0" y="0"/>
+          <a:chExt cx="0" cy="0"/>
+        </a:xfrm>
+      </p:grpSpPr>
+      <p:pic>
+        <p:nvPicPr>
+          <p:cNvPr id="17" name="图片 16">
+            <a:extLst>
+              <a:ext uri="{FF2B5EF4-FFF2-40B4-BE49-F238E27FC236}">
+                <a16:creationId xmlns:a16="http://schemas.microsoft.com/office/drawing/2014/main" id="{B46EAD24-054E-49F8-A748-41C40AED8D70}"/>
+              </a:ext>
+            </a:extLst>
+          </p:cNvPr>
+          <p:cNvPicPr>
+            <a:picLocks noChangeAspect="1"/>
+          </p:cNvPicPr>
+          <p:nvPr/>
+        </p:nvPicPr>
+        <p:blipFill>
+          <a:blip r:embed="rId3"/>
+          <a:stretch>
+            <a:fillRect/>
+          </a:stretch>
+        </p:blipFill>
+        <p:spPr>
+          <a:xfrm>
+            <a:off x="1208848" y="1614366"/>
+            <a:ext cx="4753613" cy="3688804"/>
+          </a:xfrm>
+          <a:prstGeom prst="rect">
+            <a:avLst/>
+          </a:prstGeom>
+        </p:spPr>
+      </p:pic>
+      <p:pic>
+        <p:nvPicPr>
+          <p:cNvPr id="15" name="图片 14">
+            <a:extLst>
+              <a:ext uri="{FF2B5EF4-FFF2-40B4-BE49-F238E27FC236}">
+                <a16:creationId xmlns:a16="http://schemas.microsoft.com/office/drawing/2014/main" id="{66BF80EF-29B0-4B34-96C3-034CC0DCBC6A}"/>
+              </a:ext>
+            </a:extLst>
+          </p:cNvPr>
+          <p:cNvPicPr>
+            <a:picLocks noChangeAspect="1"/>
+          </p:cNvPicPr>
+          <p:nvPr/>
+        </p:nvPicPr>
+        <p:blipFill>
+          <a:blip r:embed="rId4" cstate="print">
+            <a:extLst>
+              <a:ext uri="{28A0092B-C50C-407E-A947-70E740481C1C}">
+                <a14:useLocalDpi xmlns:a14="http://schemas.microsoft.com/office/drawing/2010/main" val="0"/>
+              </a:ext>
+            </a:extLst>
+          </a:blip>
+          <a:stretch>
+            <a:fillRect/>
+          </a:stretch>
+        </p:blipFill>
+        <p:spPr>
+          <a:xfrm>
+            <a:off x="6043520" y="1236781"/>
+            <a:ext cx="4419847" cy="3314885"/>
+          </a:xfrm>
+          <a:prstGeom prst="rect">
+            <a:avLst/>
+          </a:prstGeom>
+        </p:spPr>
+      </p:pic>
+      <p:sp>
+        <p:nvSpPr>
+          <p:cNvPr id="46" name="矩形 45">
+            <a:extLst>
+              <a:ext uri="{FF2B5EF4-FFF2-40B4-BE49-F238E27FC236}">
+                <a16:creationId xmlns:a16="http://schemas.microsoft.com/office/drawing/2014/main" id="{FBA9F407-570A-434A-8CDF-BF32A7C6B9D7}"/>
+              </a:ext>
+            </a:extLst>
+          </p:cNvPr>
+          <p:cNvSpPr/>
+          <p:nvPr/>
+        </p:nvSpPr>
+        <p:spPr>
+          <a:xfrm>
+            <a:off x="5499044" y="3868214"/>
+            <a:ext cx="390056" cy="192145"/>
+          </a:xfrm>
+          <a:prstGeom prst="rect">
+            <a:avLst/>
+          </a:prstGeom>
+          <a:noFill/>
+          <a:ln w="19050">
+            <a:solidFill>
+              <a:schemeClr val="bg2">
+                <a:lumMod val="50000"/>
+              </a:schemeClr>
+            </a:solidFill>
+            <a:prstDash val="solid"/>
+          </a:ln>
+        </p:spPr>
+        <p:style>
+          <a:lnRef idx="2">
+            <a:schemeClr val="accent1">
+              <a:shade val="50000"/>
+            </a:schemeClr>
+          </a:lnRef>
+          <a:fillRef idx="1">
+            <a:schemeClr val="accent1"/>
+          </a:fillRef>
+          <a:effectRef idx="0">
+            <a:schemeClr val="accent1"/>
+          </a:effectRef>
+          <a:fontRef idx="minor">
+            <a:schemeClr val="lt1"/>
+          </a:fontRef>
+        </p:style>
+        <p:txBody>
+          <a:bodyPr rtlCol="0" anchor="ctr"/>
+          <a:lstStyle/>
+          <a:p>
+            <a:pPr algn="ctr"/>
+            <a:endParaRPr lang="zh-CN" altLang="en-US"/>
+          </a:p>
+        </p:txBody>
+      </p:sp>
+      <p:sp>
+        <p:nvSpPr>
+          <p:cNvPr id="51" name="矩形 50">
+            <a:extLst>
+              <a:ext uri="{FF2B5EF4-FFF2-40B4-BE49-F238E27FC236}">
+                <a16:creationId xmlns:a16="http://schemas.microsoft.com/office/drawing/2014/main" id="{A6A66E37-3DA3-4968-86E2-7A78E9D3067C}"/>
+              </a:ext>
+            </a:extLst>
+          </p:cNvPr>
+          <p:cNvSpPr/>
+          <p:nvPr/>
+        </p:nvSpPr>
+        <p:spPr>
+          <a:xfrm>
+            <a:off x="9782069" y="2528272"/>
+            <a:ext cx="179204" cy="102348"/>
+          </a:xfrm>
+          <a:prstGeom prst="rect">
+            <a:avLst/>
+          </a:prstGeom>
+          <a:noFill/>
+          <a:ln w="19050">
+            <a:solidFill>
+              <a:schemeClr val="bg2">
+                <a:lumMod val="50000"/>
+              </a:schemeClr>
+            </a:solidFill>
+            <a:prstDash val="solid"/>
+          </a:ln>
+        </p:spPr>
+        <p:style>
+          <a:lnRef idx="2">
+            <a:schemeClr val="accent1">
+              <a:shade val="50000"/>
+            </a:schemeClr>
+          </a:lnRef>
+          <a:fillRef idx="1">
+            <a:schemeClr val="accent1"/>
+          </a:fillRef>
+          <a:effectRef idx="0">
+            <a:schemeClr val="accent1"/>
+          </a:effectRef>
+          <a:fontRef idx="minor">
+            <a:schemeClr val="lt1"/>
+          </a:fontRef>
+        </p:style>
+        <p:txBody>
+          <a:bodyPr rtlCol="0" anchor="ctr"/>
+          <a:lstStyle/>
+          <a:p>
+            <a:pPr algn="ctr"/>
+            <a:endParaRPr lang="zh-CN" altLang="en-US"/>
+          </a:p>
+        </p:txBody>
+      </p:sp>
+      <mc:AlternateContent xmlns:mc="http://schemas.openxmlformats.org/markup-compatibility/2006">
+        <mc:Choice xmlns:a14="http://schemas.microsoft.com/office/drawing/2010/main" Requires="a14">
+          <p:graphicFrame>
+            <p:nvGraphicFramePr>
+              <p:cNvPr id="23" name="Table 2"/>
+              <p:cNvGraphicFramePr>
+                <a:graphicFrameLocks noGrp="1"/>
+              </p:cNvGraphicFramePr>
+              <p:nvPr>
+                <p:extLst>
+                  <p:ext uri="{D42A27DB-BD31-4B8C-83A1-F6EECF244321}">
+                    <p14:modId xmlns:p14="http://schemas.microsoft.com/office/powerpoint/2010/main" val="2385092031"/>
+                  </p:ext>
+                </p:extLst>
+              </p:nvPr>
+            </p:nvGraphicFramePr>
+            <p:xfrm>
+              <a:off x="6112445" y="4529867"/>
+              <a:ext cx="4281998" cy="902884"/>
+            </p:xfrm>
+            <a:graphic>
+              <a:graphicData uri="http://schemas.openxmlformats.org/drawingml/2006/table">
+                <a:tbl>
+                  <a:tblPr firstRow="1" bandRow="1">
+                    <a:tableStyleId>{5940675A-B579-460E-94D1-54222C63F5DA}</a:tableStyleId>
+                  </a:tblPr>
+                  <a:tblGrid>
+                    <a:gridCol w="391898">
+                      <a:extLst>
+                        <a:ext uri="{9D8B030D-6E8A-4147-A177-3AD203B41FA5}">
+                          <a16:colId xmlns:a16="http://schemas.microsoft.com/office/drawing/2014/main" val="2712385333"/>
+                        </a:ext>
+                      </a:extLst>
+                    </a:gridCol>
+                    <a:gridCol w="1136724">
+                      <a:extLst>
+                        <a:ext uri="{9D8B030D-6E8A-4147-A177-3AD203B41FA5}">
+                          <a16:colId xmlns:a16="http://schemas.microsoft.com/office/drawing/2014/main" val="3323013741"/>
+                        </a:ext>
+                      </a:extLst>
+                    </a:gridCol>
+                    <a:gridCol w="351416">
+                      <a:extLst>
+                        <a:ext uri="{9D8B030D-6E8A-4147-A177-3AD203B41FA5}">
+                          <a16:colId xmlns:a16="http://schemas.microsoft.com/office/drawing/2014/main" val="3033828541"/>
+                        </a:ext>
+                      </a:extLst>
+                    </a:gridCol>
+                    <a:gridCol w="2401960">
+                      <a:extLst>
+                        <a:ext uri="{9D8B030D-6E8A-4147-A177-3AD203B41FA5}">
+                          <a16:colId xmlns:a16="http://schemas.microsoft.com/office/drawing/2014/main" val="1631091275"/>
+                        </a:ext>
+                      </a:extLst>
+                    </a:gridCol>
+                  </a:tblGrid>
+                  <a:tr h="503135">
+                    <a:tc>
+                      <a:txBody>
+                        <a:bodyPr/>
+                        <a:lstStyle/>
+                        <a:p>
+                          <a:endParaRPr lang="en-AU" dirty="0"/>
+                        </a:p>
+                      </a:txBody>
+                      <a:tcPr>
+                        <a:lnL w="12700" cap="flat" cmpd="sng" algn="ctr">
+                          <a:noFill/>
+                          <a:prstDash val="solid"/>
+                          <a:round/>
+                          <a:headEnd type="none" w="med" len="med"/>
+                          <a:tailEnd type="none" w="med" len="med"/>
+                        </a:lnL>
+                        <a:lnR w="12700" cap="flat" cmpd="sng" algn="ctr">
+                          <a:noFill/>
+                          <a:prstDash val="solid"/>
+                          <a:round/>
+                          <a:headEnd type="none" w="med" len="med"/>
+                          <a:tailEnd type="none" w="med" len="med"/>
+                        </a:lnR>
+                        <a:lnT w="12700" cap="flat" cmpd="sng" algn="ctr">
+                          <a:noFill/>
+                          <a:prstDash val="solid"/>
+                          <a:round/>
+                          <a:headEnd type="none" w="med" len="med"/>
+                          <a:tailEnd type="none" w="med" len="med"/>
+                        </a:lnT>
+                        <a:lnB w="12700" cap="flat" cmpd="sng" algn="ctr">
+                          <a:noFill/>
+                          <a:prstDash val="solid"/>
+                          <a:round/>
+                          <a:headEnd type="none" w="med" len="med"/>
+                          <a:tailEnd type="none" w="med" len="med"/>
+                        </a:lnB>
+                        <a:lnTlToBr w="12700" cmpd="sng">
+                          <a:noFill/>
+                          <a:prstDash val="solid"/>
+                        </a:lnTlToBr>
+                        <a:lnBlToTr w="12700" cmpd="sng">
+                          <a:noFill/>
+                          <a:prstDash val="solid"/>
+                        </a:lnBlToTr>
+                      </a:tcPr>
+                    </a:tc>
+                    <a:tc>
+                      <a:txBody>
+                        <a:bodyPr/>
+                        <a:lstStyle/>
+                        <a:p>
+                          <a:pPr marL="0" marR="0" lvl="0" indent="0" algn="l" defTabSz="914400" rtl="0" eaLnBrk="1" fontAlgn="auto" latinLnBrk="0" hangingPunct="1">
+                            <a:lnSpc>
+                              <a:spcPct val="100000"/>
+                            </a:lnSpc>
+                            <a:spcBef>
+                              <a:spcPts val="0"/>
+                            </a:spcBef>
+                            <a:spcAft>
+                              <a:spcPts val="0"/>
+                            </a:spcAft>
+                            <a:buClrTx/>
+                            <a:buSzTx/>
+                            <a:buFontTx/>
+                            <a:buNone/>
+                            <a:tabLst/>
+                            <a:defRPr/>
+                          </a:pPr>
+                          <a:r>
+                            <a:rPr kumimoji="0" lang="en-US" altLang="zh-CN" sz="1100" u="none" strike="noStrike" kern="1200" cap="none" spc="0" normalizeH="0" baseline="0" noProof="0" dirty="0">
+                              <a:ln>
+                                <a:noFill/>
+                              </a:ln>
+                              <a:effectLst/>
+                              <a:uLnTx/>
+                              <a:uFillTx/>
+                            </a:rPr>
+                            <a:t>Not to fix (</a:t>
+                          </a:r>
+                          <a14:m>
+                            <m:oMath xmlns:m="http://schemas.openxmlformats.org/officeDocument/2006/math">
+                              <m:sSub>
+                                <m:sSubPr>
+                                  <m:ctrlPr>
+                                    <a:rPr kumimoji="0" lang="en-US" altLang="zh-CN" sz="1100" i="1" u="none" strike="noStrike" kern="1200" cap="none" spc="0" normalizeH="0" baseline="0" noProof="0" smtClean="0">
+                                      <a:ln>
+                                        <a:noFill/>
+                                      </a:ln>
+                                      <a:effectLst/>
+                                      <a:uLnTx/>
+                                      <a:uFillTx/>
+                                      <a:latin typeface="Cambria Math" panose="02040503050406030204" pitchFamily="18" charset="0"/>
+                                    </a:rPr>
+                                  </m:ctrlPr>
+                                </m:sSubPr>
+                                <m:e>
+                                  <m:r>
+                                    <a:rPr kumimoji="0" lang="en-US" altLang="zh-CN" sz="1100" b="0" i="1" u="none" strike="noStrike" kern="1200" cap="none" spc="0" normalizeH="0" baseline="0" noProof="0" smtClean="0">
+                                      <a:ln>
+                                        <a:noFill/>
+                                      </a:ln>
+                                      <a:effectLst/>
+                                      <a:uLnTx/>
+                                      <a:uFillTx/>
+                                      <a:latin typeface="Cambria Math" panose="02040503050406030204" pitchFamily="18" charset="0"/>
+                                    </a:rPr>
+                                    <m:t>𝑔</m:t>
+                                  </m:r>
+                                </m:e>
+                                <m:sub>
+                                  <m:r>
+                                    <a:rPr kumimoji="0" lang="en-US" altLang="zh-CN" sz="1100" b="0" i="1" u="none" strike="noStrike" kern="1200" cap="none" spc="0" normalizeH="0" baseline="0" noProof="0" smtClean="0">
+                                      <a:ln>
+                                        <a:noFill/>
+                                      </a:ln>
+                                      <a:effectLst/>
+                                      <a:uLnTx/>
+                                      <a:uFillTx/>
+                                      <a:latin typeface="Cambria Math" panose="02040503050406030204" pitchFamily="18" charset="0"/>
+                                    </a:rPr>
+                                    <m:t>𝑣𝑎𝑟𝑦</m:t>
+                                  </m:r>
+                                </m:sub>
+                              </m:sSub>
+                            </m:oMath>
+                          </a14:m>
+                          <a:r>
+                            <a:rPr kumimoji="0" lang="en-US" altLang="zh-CN" sz="1100" u="none" strike="noStrike" kern="1200" cap="none" spc="0" normalizeH="0" baseline="0" noProof="0" dirty="0">
+                              <a:ln>
+                                <a:noFill/>
+                              </a:ln>
+                              <a:effectLst/>
+                              <a:uLnTx/>
+                              <a:uFillTx/>
+                            </a:rPr>
+                            <a:t>)</a:t>
+                          </a:r>
+                          <a:endParaRPr kumimoji="0" lang="zh-CN" altLang="en-US" sz="1100" b="0" i="0" u="none" strike="noStrike" kern="1200" cap="none" spc="0" normalizeH="0" baseline="0" noProof="0" dirty="0">
+                            <a:ln>
+                              <a:noFill/>
+                            </a:ln>
+                            <a:solidFill>
+                              <a:prstClr val="black"/>
+                            </a:solidFill>
+                            <a:effectLst/>
+                            <a:uLnTx/>
+                            <a:uFillTx/>
+                            <a:latin typeface="+mn-lt"/>
+                            <a:ea typeface="+mn-ea"/>
+                            <a:cs typeface="+mn-cs"/>
+                          </a:endParaRPr>
+                        </a:p>
+                      </a:txBody>
+                      <a:tcPr anchor="b">
+                        <a:lnL w="12700" cap="flat" cmpd="sng" algn="ctr">
+                          <a:noFill/>
+                          <a:prstDash val="solid"/>
+                          <a:round/>
+                          <a:headEnd type="none" w="med" len="med"/>
+                          <a:tailEnd type="none" w="med" len="med"/>
+                        </a:lnL>
+                        <a:lnR w="12700" cap="flat" cmpd="sng" algn="ctr">
+                          <a:noFill/>
+                          <a:prstDash val="solid"/>
+                          <a:round/>
+                          <a:headEnd type="none" w="med" len="med"/>
+                          <a:tailEnd type="none" w="med" len="med"/>
+                        </a:lnR>
+                        <a:lnT w="12700" cap="flat" cmpd="sng" algn="ctr">
+                          <a:noFill/>
+                          <a:prstDash val="solid"/>
+                          <a:round/>
+                          <a:headEnd type="none" w="med" len="med"/>
+                          <a:tailEnd type="none" w="med" len="med"/>
+                        </a:lnT>
+                        <a:lnB w="12700" cap="flat" cmpd="sng" algn="ctr">
+                          <a:noFill/>
+                          <a:prstDash val="solid"/>
+                          <a:round/>
+                          <a:headEnd type="none" w="med" len="med"/>
+                          <a:tailEnd type="none" w="med" len="med"/>
+                        </a:lnB>
+                        <a:lnTlToBr w="12700" cmpd="sng">
+                          <a:noFill/>
+                          <a:prstDash val="solid"/>
+                        </a:lnTlToBr>
+                        <a:lnBlToTr w="12700" cmpd="sng">
+                          <a:noFill/>
+                          <a:prstDash val="solid"/>
+                        </a:lnBlToTr>
+                      </a:tcPr>
+                    </a:tc>
+                    <a:tc>
+                      <a:txBody>
+                        <a:bodyPr/>
+                        <a:lstStyle/>
+                        <a:p>
+                          <a:endParaRPr lang="en-AU" sz="1600" dirty="0"/>
+                        </a:p>
+                      </a:txBody>
+                      <a:tcPr>
+                        <a:lnL w="12700" cap="flat" cmpd="sng" algn="ctr">
+                          <a:noFill/>
+                          <a:prstDash val="solid"/>
+                          <a:round/>
+                          <a:headEnd type="none" w="med" len="med"/>
+                          <a:tailEnd type="none" w="med" len="med"/>
+                        </a:lnL>
+                        <a:lnR w="12700" cap="flat" cmpd="sng" algn="ctr">
+                          <a:noFill/>
+                          <a:prstDash val="solid"/>
+                          <a:round/>
+                          <a:headEnd type="none" w="med" len="med"/>
+                          <a:tailEnd type="none" w="med" len="med"/>
+                        </a:lnR>
+                        <a:lnT w="12700" cap="flat" cmpd="sng" algn="ctr">
+                          <a:noFill/>
+                          <a:prstDash val="solid"/>
+                          <a:round/>
+                          <a:headEnd type="none" w="med" len="med"/>
+                          <a:tailEnd type="none" w="med" len="med"/>
+                        </a:lnT>
+                        <a:lnB w="12700" cap="flat" cmpd="sng" algn="ctr">
+                          <a:noFill/>
+                          <a:prstDash val="solid"/>
+                          <a:round/>
+                          <a:headEnd type="none" w="med" len="med"/>
+                          <a:tailEnd type="none" w="med" len="med"/>
+                        </a:lnB>
+                        <a:lnTlToBr w="12700" cmpd="sng">
+                          <a:noFill/>
+                          <a:prstDash val="solid"/>
+                        </a:lnTlToBr>
+                        <a:lnBlToTr w="12700" cmpd="sng">
+                          <a:noFill/>
+                          <a:prstDash val="solid"/>
+                        </a:lnBlToTr>
+                      </a:tcPr>
+                    </a:tc>
+                    <a:tc>
+                      <a:txBody>
+                        <a:bodyPr/>
+                        <a:lstStyle/>
+                        <a:p>
+                          <a:pPr marL="0" marR="0" lvl="0" indent="0" algn="l" defTabSz="914400" rtl="0" eaLnBrk="1" fontAlgn="auto" latinLnBrk="0" hangingPunct="1">
+                            <a:lnSpc>
+                              <a:spcPct val="100000"/>
+                            </a:lnSpc>
+                            <a:spcBef>
+                              <a:spcPts val="0"/>
+                            </a:spcBef>
+                            <a:spcAft>
+                              <a:spcPts val="0"/>
+                            </a:spcAft>
+                            <a:buClrTx/>
+                            <a:buSzTx/>
+                            <a:buFontTx/>
+                            <a:buNone/>
+                            <a:tabLst/>
+                            <a:defRPr/>
+                          </a:pPr>
+                          <a:r>
+                            <a:rPr kumimoji="0" lang="en-US" altLang="zh-CN" sz="1100" u="none" strike="noStrike" kern="1200" cap="none" spc="0" normalizeH="0" baseline="0" noProof="0" dirty="0">
+                              <a:ln>
+                                <a:noFill/>
+                              </a:ln>
+                              <a:effectLst/>
+                              <a:uLnTx/>
+                              <a:uFillTx/>
+                            </a:rPr>
+                            <a:t>Needing better resolution (</a:t>
+                          </a:r>
+                          <a14:m>
+                            <m:oMath xmlns:m="http://schemas.openxmlformats.org/officeDocument/2006/math">
+                              <m:sSub>
+                                <m:sSubPr>
+                                  <m:ctrlPr>
+                                    <a:rPr kumimoji="0" lang="en-US" altLang="zh-CN" sz="1100" i="1" u="none" strike="noStrike" kern="1200" cap="none" spc="0" normalizeH="0" baseline="0" noProof="0" smtClean="0">
+                                      <a:ln>
+                                        <a:noFill/>
+                                      </a:ln>
+                                      <a:effectLst/>
+                                      <a:uLnTx/>
+                                      <a:uFillTx/>
+                                      <a:latin typeface="Cambria Math" panose="02040503050406030204" pitchFamily="18" charset="0"/>
+                                    </a:rPr>
+                                  </m:ctrlPr>
+                                </m:sSubPr>
+                                <m:e>
+                                  <m:r>
+                                    <a:rPr kumimoji="0" lang="en-US" altLang="zh-CN" sz="1100" b="0" i="1" u="none" strike="noStrike" kern="1200" cap="none" spc="0" normalizeH="0" baseline="0" noProof="0" smtClean="0">
+                                      <a:ln>
+                                        <a:noFill/>
+                                      </a:ln>
+                                      <a:effectLst/>
+                                      <a:uLnTx/>
+                                      <a:uFillTx/>
+                                      <a:latin typeface="Cambria Math" panose="02040503050406030204" pitchFamily="18" charset="0"/>
+                                    </a:rPr>
+                                    <m:t>𝑔</m:t>
+                                  </m:r>
+                                </m:e>
+                                <m:sub>
+                                  <m:r>
+                                    <a:rPr kumimoji="0" lang="en-US" altLang="zh-CN" sz="1100" b="0" i="1" u="none" strike="noStrike" kern="1200" cap="none" spc="0" normalizeH="0" baseline="0" noProof="0" smtClean="0">
+                                      <a:ln>
+                                        <a:noFill/>
+                                      </a:ln>
+                                      <a:effectLst/>
+                                      <a:uLnTx/>
+                                      <a:uFillTx/>
+                                      <a:latin typeface="Cambria Math" panose="02040503050406030204" pitchFamily="18" charset="0"/>
+                                    </a:rPr>
+                                    <m:t>𝑠𝑎𝑚𝑝𝑙𝑒</m:t>
+                                  </m:r>
+                                </m:sub>
+                              </m:sSub>
+                            </m:oMath>
+                          </a14:m>
+                          <a:r>
+                            <a:rPr kumimoji="0" lang="en-US" altLang="zh-CN" sz="1100" u="none" strike="noStrike" kern="1200" cap="none" spc="0" normalizeH="0" baseline="0" noProof="0" dirty="0">
+                              <a:ln>
+                                <a:noFill/>
+                              </a:ln>
+                              <a:effectLst/>
+                              <a:uLnTx/>
+                              <a:uFillTx/>
+                            </a:rPr>
+                            <a:t>) </a:t>
+                          </a:r>
+                          <a:endParaRPr kumimoji="0" lang="zh-CN" altLang="en-US" sz="1100" b="0" i="0" u="none" strike="noStrike" kern="1200" cap="none" spc="0" normalizeH="0" baseline="0" noProof="0" dirty="0">
+                            <a:ln>
+                              <a:noFill/>
+                            </a:ln>
+                            <a:solidFill>
+                              <a:prstClr val="black"/>
+                            </a:solidFill>
+                            <a:effectLst/>
+                            <a:uLnTx/>
+                            <a:uFillTx/>
+                            <a:latin typeface="+mn-lt"/>
+                            <a:ea typeface="+mn-ea"/>
+                            <a:cs typeface="+mn-cs"/>
+                          </a:endParaRPr>
+                        </a:p>
+                      </a:txBody>
+                      <a:tcPr anchor="b">
+                        <a:lnL w="12700" cap="flat" cmpd="sng" algn="ctr">
+                          <a:noFill/>
+                          <a:prstDash val="solid"/>
+                          <a:round/>
+                          <a:headEnd type="none" w="med" len="med"/>
+                          <a:tailEnd type="none" w="med" len="med"/>
+                        </a:lnL>
+                        <a:lnR w="12700" cap="flat" cmpd="sng" algn="ctr">
+                          <a:noFill/>
+                          <a:prstDash val="solid"/>
+                          <a:round/>
+                          <a:headEnd type="none" w="med" len="med"/>
+                          <a:tailEnd type="none" w="med" len="med"/>
+                        </a:lnR>
+                        <a:lnT w="12700" cap="flat" cmpd="sng" algn="ctr">
+                          <a:noFill/>
+                          <a:prstDash val="solid"/>
+                          <a:round/>
+                          <a:headEnd type="none" w="med" len="med"/>
+                          <a:tailEnd type="none" w="med" len="med"/>
+                        </a:lnT>
+                        <a:lnB w="12700" cap="flat" cmpd="sng" algn="ctr">
+                          <a:noFill/>
+                          <a:prstDash val="solid"/>
+                          <a:round/>
+                          <a:headEnd type="none" w="med" len="med"/>
+                          <a:tailEnd type="none" w="med" len="med"/>
+                        </a:lnB>
+                        <a:lnTlToBr w="12700" cmpd="sng">
+                          <a:noFill/>
+                          <a:prstDash val="solid"/>
+                        </a:lnTlToBr>
+                        <a:lnBlToTr w="12700" cmpd="sng">
+                          <a:noFill/>
+                          <a:prstDash val="solid"/>
+                        </a:lnBlToTr>
+                      </a:tcPr>
+                    </a:tc>
+                    <a:extLst>
+                      <a:ext uri="{0D108BD9-81ED-4DB2-BD59-A6C34878D82A}">
+                        <a16:rowId xmlns:a16="http://schemas.microsoft.com/office/drawing/2014/main" val="1758572500"/>
+                      </a:ext>
+                    </a:extLst>
+                  </a:tr>
+                  <a:tr h="399749">
+                    <a:tc>
+                      <a:txBody>
+                        <a:bodyPr/>
+                        <a:lstStyle/>
+                        <a:p>
+                          <a:endParaRPr lang="en-AU" dirty="0"/>
+                        </a:p>
+                      </a:txBody>
+                      <a:tcPr>
+                        <a:lnL w="12700" cap="flat" cmpd="sng" algn="ctr">
+                          <a:noFill/>
+                          <a:prstDash val="solid"/>
+                          <a:round/>
+                          <a:headEnd type="none" w="med" len="med"/>
+                          <a:tailEnd type="none" w="med" len="med"/>
+                        </a:lnL>
+                        <a:lnR w="12700" cap="flat" cmpd="sng" algn="ctr">
+                          <a:noFill/>
+                          <a:prstDash val="solid"/>
+                          <a:round/>
+                          <a:headEnd type="none" w="med" len="med"/>
+                          <a:tailEnd type="none" w="med" len="med"/>
+                        </a:lnR>
+                        <a:lnT w="12700" cap="flat" cmpd="sng" algn="ctr">
+                          <a:noFill/>
+                          <a:prstDash val="solid"/>
+                          <a:round/>
+                          <a:headEnd type="none" w="med" len="med"/>
+                          <a:tailEnd type="none" w="med" len="med"/>
+                        </a:lnT>
+                        <a:lnB w="12700" cap="flat" cmpd="sng" algn="ctr">
+                          <a:noFill/>
+                          <a:prstDash val="solid"/>
+                          <a:round/>
+                          <a:headEnd type="none" w="med" len="med"/>
+                          <a:tailEnd type="none" w="med" len="med"/>
+                        </a:lnB>
+                        <a:lnTlToBr w="12700" cmpd="sng">
+                          <a:noFill/>
+                          <a:prstDash val="solid"/>
+                        </a:lnTlToBr>
+                        <a:lnBlToTr w="12700" cmpd="sng">
+                          <a:noFill/>
+                          <a:prstDash val="solid"/>
+                        </a:lnBlToTr>
+                      </a:tcPr>
+                    </a:tc>
+                    <a:tc>
+                      <a:txBody>
+                        <a:bodyPr/>
+                        <a:lstStyle/>
+                        <a:p>
+                          <a:pPr marL="0" marR="0" lvl="0" indent="0" algn="l" defTabSz="914400" rtl="0" eaLnBrk="1" fontAlgn="auto" latinLnBrk="0" hangingPunct="1">
+                            <a:lnSpc>
+                              <a:spcPct val="100000"/>
+                            </a:lnSpc>
+                            <a:spcBef>
+                              <a:spcPts val="0"/>
+                            </a:spcBef>
+                            <a:spcAft>
+                              <a:spcPts val="0"/>
+                            </a:spcAft>
+                            <a:buClrTx/>
+                            <a:buSzTx/>
+                            <a:buFontTx/>
+                            <a:buNone/>
+                            <a:tabLst/>
+                            <a:defRPr/>
+                          </a:pPr>
+                          <a:r>
+                            <a:rPr kumimoji="0" lang="en-US" altLang="zh-CN" sz="1100" u="none" strike="noStrike" kern="1200" cap="none" spc="0" normalizeH="0" baseline="0" noProof="0" dirty="0">
+                              <a:ln>
+                                <a:noFill/>
+                              </a:ln>
+                              <a:effectLst/>
+                              <a:uLnTx/>
+                              <a:uFillTx/>
+                            </a:rPr>
+                            <a:t>Safe to fix (</a:t>
+                          </a:r>
+                          <a14:m>
+                            <m:oMath xmlns:m="http://schemas.openxmlformats.org/officeDocument/2006/math">
+                              <m:sSub>
+                                <m:sSubPr>
+                                  <m:ctrlPr>
+                                    <a:rPr kumimoji="0" lang="en-US" altLang="zh-CN" sz="1100" i="1" u="none" strike="noStrike" kern="1200" cap="none" spc="0" normalizeH="0" baseline="0" noProof="0" smtClean="0">
+                                      <a:ln>
+                                        <a:noFill/>
+                                      </a:ln>
+                                      <a:effectLst/>
+                                      <a:uLnTx/>
+                                      <a:uFillTx/>
+                                      <a:latin typeface="Cambria Math" panose="02040503050406030204" pitchFamily="18" charset="0"/>
+                                    </a:rPr>
+                                  </m:ctrlPr>
+                                </m:sSubPr>
+                                <m:e>
+                                  <m:r>
+                                    <a:rPr kumimoji="0" lang="en-US" altLang="zh-CN" sz="1100" b="0" i="1" u="none" strike="noStrike" kern="1200" cap="none" spc="0" normalizeH="0" baseline="0" noProof="0" smtClean="0">
+                                      <a:ln>
+                                        <a:noFill/>
+                                      </a:ln>
+                                      <a:effectLst/>
+                                      <a:uLnTx/>
+                                      <a:uFillTx/>
+                                      <a:latin typeface="Cambria Math" panose="02040503050406030204" pitchFamily="18" charset="0"/>
+                                    </a:rPr>
+                                    <m:t>𝑔</m:t>
+                                  </m:r>
+                                </m:e>
+                                <m:sub>
+                                  <m:r>
+                                    <a:rPr kumimoji="0" lang="en-US" altLang="zh-CN" sz="1100" b="0" i="1" u="none" strike="noStrike" kern="1200" cap="none" spc="0" normalizeH="0" baseline="0" noProof="0" smtClean="0">
+                                      <a:ln>
+                                        <a:noFill/>
+                                      </a:ln>
+                                      <a:effectLst/>
+                                      <a:uLnTx/>
+                                      <a:uFillTx/>
+                                      <a:latin typeface="Cambria Math" panose="02040503050406030204" pitchFamily="18" charset="0"/>
+                                    </a:rPr>
+                                    <m:t>𝑓𝑖𝑥</m:t>
+                                  </m:r>
+                                </m:sub>
+                              </m:sSub>
+                            </m:oMath>
+                          </a14:m>
+                          <a:r>
+                            <a:rPr kumimoji="0" lang="en-US" altLang="zh-CN" sz="1100" u="none" strike="noStrike" kern="1200" cap="none" spc="0" normalizeH="0" baseline="0" noProof="0" dirty="0">
+                              <a:ln>
+                                <a:noFill/>
+                              </a:ln>
+                              <a:effectLst/>
+                              <a:uLnTx/>
+                              <a:uFillTx/>
+                            </a:rPr>
+                            <a:t>)</a:t>
+                          </a:r>
+                          <a:endParaRPr kumimoji="0" lang="zh-CN" altLang="en-US" sz="1100" b="0" i="0" u="none" strike="noStrike" kern="1200" cap="none" spc="0" normalizeH="0" baseline="0" noProof="0" dirty="0">
+                            <a:ln>
+                              <a:noFill/>
+                            </a:ln>
+                            <a:solidFill>
+                              <a:prstClr val="black"/>
+                            </a:solidFill>
+                            <a:effectLst/>
+                            <a:uLnTx/>
+                            <a:uFillTx/>
+                            <a:latin typeface="+mn-lt"/>
+                            <a:ea typeface="+mn-ea"/>
+                            <a:cs typeface="+mn-cs"/>
+                          </a:endParaRPr>
+                        </a:p>
+                      </a:txBody>
+                      <a:tcPr>
+                        <a:lnL w="12700" cap="flat" cmpd="sng" algn="ctr">
+                          <a:noFill/>
+                          <a:prstDash val="solid"/>
+                          <a:round/>
+                          <a:headEnd type="none" w="med" len="med"/>
+                          <a:tailEnd type="none" w="med" len="med"/>
+                        </a:lnL>
+                        <a:lnR w="12700" cap="flat" cmpd="sng" algn="ctr">
+                          <a:noFill/>
+                          <a:prstDash val="solid"/>
+                          <a:round/>
+                          <a:headEnd type="none" w="med" len="med"/>
+                          <a:tailEnd type="none" w="med" len="med"/>
+                        </a:lnR>
+                        <a:lnT w="12700" cap="flat" cmpd="sng" algn="ctr">
+                          <a:noFill/>
+                          <a:prstDash val="solid"/>
+                          <a:round/>
+                          <a:headEnd type="none" w="med" len="med"/>
+                          <a:tailEnd type="none" w="med" len="med"/>
+                        </a:lnT>
+                        <a:lnB w="12700" cap="flat" cmpd="sng" algn="ctr">
+                          <a:noFill/>
+                          <a:prstDash val="solid"/>
+                          <a:round/>
+                          <a:headEnd type="none" w="med" len="med"/>
+                          <a:tailEnd type="none" w="med" len="med"/>
+                        </a:lnB>
+                        <a:lnTlToBr w="12700" cmpd="sng">
+                          <a:noFill/>
+                          <a:prstDash val="solid"/>
+                        </a:lnTlToBr>
+                        <a:lnBlToTr w="12700" cmpd="sng">
+                          <a:noFill/>
+                          <a:prstDash val="solid"/>
+                        </a:lnBlToTr>
+                      </a:tcPr>
+                    </a:tc>
+                    <a:tc>
+                      <a:txBody>
+                        <a:bodyPr/>
+                        <a:lstStyle/>
+                        <a:p>
+                          <a:endParaRPr lang="en-AU" sz="1600"/>
+                        </a:p>
+                      </a:txBody>
+                      <a:tcPr>
+                        <a:lnL w="12700" cap="flat" cmpd="sng" algn="ctr">
+                          <a:noFill/>
+                          <a:prstDash val="solid"/>
+                          <a:round/>
+                          <a:headEnd type="none" w="med" len="med"/>
+                          <a:tailEnd type="none" w="med" len="med"/>
+                        </a:lnL>
+                        <a:lnR w="12700" cap="flat" cmpd="sng" algn="ctr">
+                          <a:noFill/>
+                          <a:prstDash val="solid"/>
+                          <a:round/>
+                          <a:headEnd type="none" w="med" len="med"/>
+                          <a:tailEnd type="none" w="med" len="med"/>
+                        </a:lnR>
+                        <a:lnT w="12700" cap="flat" cmpd="sng" algn="ctr">
+                          <a:noFill/>
+                          <a:prstDash val="solid"/>
+                          <a:round/>
+                          <a:headEnd type="none" w="med" len="med"/>
+                          <a:tailEnd type="none" w="med" len="med"/>
+                        </a:lnT>
+                        <a:lnB w="12700" cap="flat" cmpd="sng" algn="ctr">
+                          <a:noFill/>
+                          <a:prstDash val="solid"/>
+                          <a:round/>
+                          <a:headEnd type="none" w="med" len="med"/>
+                          <a:tailEnd type="none" w="med" len="med"/>
+                        </a:lnB>
+                        <a:lnTlToBr w="12700" cmpd="sng">
+                          <a:noFill/>
+                          <a:prstDash val="solid"/>
+                        </a:lnTlToBr>
+                        <a:lnBlToTr w="12700" cmpd="sng">
+                          <a:noFill/>
+                          <a:prstDash val="solid"/>
+                        </a:lnBlToTr>
+                      </a:tcPr>
+                    </a:tc>
+                    <a:tc>
+                      <a:txBody>
+                        <a:bodyPr/>
+                        <a:lstStyle/>
+                        <a:p>
+                          <a:pPr marL="0" marR="0" lvl="0" indent="0" algn="l" defTabSz="914400" rtl="0" eaLnBrk="1" fontAlgn="auto" latinLnBrk="0" hangingPunct="1">
+                            <a:lnSpc>
+                              <a:spcPct val="100000"/>
+                            </a:lnSpc>
+                            <a:spcBef>
+                              <a:spcPts val="0"/>
+                            </a:spcBef>
+                            <a:spcAft>
+                              <a:spcPts val="0"/>
+                            </a:spcAft>
+                            <a:buClrTx/>
+                            <a:buSzTx/>
+                            <a:buFontTx/>
+                            <a:buNone/>
+                            <a:tabLst/>
+                            <a:defRPr/>
+                          </a:pPr>
+                          <a:r>
+                            <a:rPr kumimoji="0" lang="en-US" altLang="zh-CN" sz="1100" u="none" strike="noStrike" kern="1200" cap="none" spc="0" normalizeH="0" baseline="0" noProof="0" dirty="0">
+                              <a:ln>
+                                <a:noFill/>
+                              </a:ln>
+                              <a:effectLst/>
+                              <a:uLnTx/>
+                              <a:uFillTx/>
+                            </a:rPr>
+                            <a:t>Safe to fix (Iteration 2)</a:t>
+                          </a:r>
+                          <a:endParaRPr kumimoji="0" lang="zh-CN" altLang="en-US" sz="1100" b="0" i="0" u="none" strike="noStrike" kern="1200" cap="none" spc="0" normalizeH="0" baseline="0" noProof="0" dirty="0">
+                            <a:ln>
+                              <a:noFill/>
+                            </a:ln>
+                            <a:solidFill>
+                              <a:prstClr val="black"/>
+                            </a:solidFill>
+                            <a:effectLst/>
+                            <a:uLnTx/>
+                            <a:uFillTx/>
+                            <a:latin typeface="+mn-lt"/>
+                            <a:ea typeface="+mn-ea"/>
+                            <a:cs typeface="+mn-cs"/>
+                          </a:endParaRPr>
+                        </a:p>
+                      </a:txBody>
+                      <a:tcPr>
+                        <a:lnL w="12700" cap="flat" cmpd="sng" algn="ctr">
+                          <a:noFill/>
+                          <a:prstDash val="solid"/>
+                          <a:round/>
+                          <a:headEnd type="none" w="med" len="med"/>
+                          <a:tailEnd type="none" w="med" len="med"/>
+                        </a:lnL>
+                        <a:lnR w="12700" cap="flat" cmpd="sng" algn="ctr">
+                          <a:noFill/>
+                          <a:prstDash val="solid"/>
+                          <a:round/>
+                          <a:headEnd type="none" w="med" len="med"/>
+                          <a:tailEnd type="none" w="med" len="med"/>
+                        </a:lnR>
+                        <a:lnT w="12700" cap="flat" cmpd="sng" algn="ctr">
+                          <a:noFill/>
+                          <a:prstDash val="solid"/>
+                          <a:round/>
+                          <a:headEnd type="none" w="med" len="med"/>
+                          <a:tailEnd type="none" w="med" len="med"/>
+                        </a:lnT>
+                        <a:lnB w="12700" cap="flat" cmpd="sng" algn="ctr">
+                          <a:noFill/>
+                          <a:prstDash val="solid"/>
+                          <a:round/>
+                          <a:headEnd type="none" w="med" len="med"/>
+                          <a:tailEnd type="none" w="med" len="med"/>
+                        </a:lnB>
+                        <a:lnTlToBr w="12700" cmpd="sng">
+                          <a:noFill/>
+                          <a:prstDash val="solid"/>
+                        </a:lnTlToBr>
+                        <a:lnBlToTr w="12700" cmpd="sng">
+                          <a:noFill/>
+                          <a:prstDash val="solid"/>
+                        </a:lnBlToTr>
+                      </a:tcPr>
+                    </a:tc>
+                    <a:extLst>
+                      <a:ext uri="{0D108BD9-81ED-4DB2-BD59-A6C34878D82A}">
+                        <a16:rowId xmlns:a16="http://schemas.microsoft.com/office/drawing/2014/main" val="3332367985"/>
+                      </a:ext>
+                    </a:extLst>
+                  </a:tr>
+                </a:tbl>
+              </a:graphicData>
+            </a:graphic>
+          </p:graphicFrame>
+        </mc:Choice>
+        <mc:Fallback>
+          <p:graphicFrame>
+            <p:nvGraphicFramePr>
+              <p:cNvPr id="23" name="Table 2"/>
+              <p:cNvGraphicFramePr>
+                <a:graphicFrameLocks noGrp="1"/>
+              </p:cNvGraphicFramePr>
+              <p:nvPr>
+                <p:extLst>
+                  <p:ext uri="{D42A27DB-BD31-4B8C-83A1-F6EECF244321}">
+                    <p14:modId xmlns:p14="http://schemas.microsoft.com/office/powerpoint/2010/main" val="2385092031"/>
+                  </p:ext>
+                </p:extLst>
+              </p:nvPr>
+            </p:nvGraphicFramePr>
+            <p:xfrm>
+              <a:off x="6112445" y="4529867"/>
+              <a:ext cx="4281998" cy="902884"/>
+            </p:xfrm>
+            <a:graphic>
+              <a:graphicData uri="http://schemas.openxmlformats.org/drawingml/2006/table">
+                <a:tbl>
+                  <a:tblPr firstRow="1" bandRow="1">
+                    <a:tableStyleId>{5940675A-B579-460E-94D1-54222C63F5DA}</a:tableStyleId>
+                  </a:tblPr>
+                  <a:tblGrid>
+                    <a:gridCol w="391898">
+                      <a:extLst>
+                        <a:ext uri="{9D8B030D-6E8A-4147-A177-3AD203B41FA5}">
+                          <a16:colId xmlns:a16="http://schemas.microsoft.com/office/drawing/2014/main" val="2712385333"/>
+                        </a:ext>
+                      </a:extLst>
+                    </a:gridCol>
+                    <a:gridCol w="1136724">
+                      <a:extLst>
+                        <a:ext uri="{9D8B030D-6E8A-4147-A177-3AD203B41FA5}">
+                          <a16:colId xmlns:a16="http://schemas.microsoft.com/office/drawing/2014/main" val="3323013741"/>
+                        </a:ext>
+                      </a:extLst>
+                    </a:gridCol>
+                    <a:gridCol w="351416">
+                      <a:extLst>
+                        <a:ext uri="{9D8B030D-6E8A-4147-A177-3AD203B41FA5}">
+                          <a16:colId xmlns:a16="http://schemas.microsoft.com/office/drawing/2014/main" val="3033828541"/>
+                        </a:ext>
+                      </a:extLst>
+                    </a:gridCol>
+                    <a:gridCol w="2401960">
+                      <a:extLst>
+                        <a:ext uri="{9D8B030D-6E8A-4147-A177-3AD203B41FA5}">
+                          <a16:colId xmlns:a16="http://schemas.microsoft.com/office/drawing/2014/main" val="1631091275"/>
+                        </a:ext>
+                      </a:extLst>
+                    </a:gridCol>
+                  </a:tblGrid>
+                  <a:tr h="503135">
+                    <a:tc>
+                      <a:txBody>
+                        <a:bodyPr/>
+                        <a:lstStyle/>
+                        <a:p>
+                          <a:endParaRPr lang="en-AU" dirty="0"/>
+                        </a:p>
+                      </a:txBody>
+                      <a:tcPr>
+                        <a:lnL w="12700" cap="flat" cmpd="sng" algn="ctr">
+                          <a:noFill/>
+                          <a:prstDash val="solid"/>
+                          <a:round/>
+                          <a:headEnd type="none" w="med" len="med"/>
+                          <a:tailEnd type="none" w="med" len="med"/>
+                        </a:lnL>
+                        <a:lnR w="12700" cap="flat" cmpd="sng" algn="ctr">
+                          <a:noFill/>
+                          <a:prstDash val="solid"/>
+                          <a:round/>
+                          <a:headEnd type="none" w="med" len="med"/>
+                          <a:tailEnd type="none" w="med" len="med"/>
+                        </a:lnR>
+                        <a:lnT w="12700" cap="flat" cmpd="sng" algn="ctr">
+                          <a:noFill/>
+                          <a:prstDash val="solid"/>
+                          <a:round/>
+                          <a:headEnd type="none" w="med" len="med"/>
+                          <a:tailEnd type="none" w="med" len="med"/>
+                        </a:lnT>
+                        <a:lnB w="12700" cap="flat" cmpd="sng" algn="ctr">
+                          <a:noFill/>
+                          <a:prstDash val="solid"/>
+                          <a:round/>
+                          <a:headEnd type="none" w="med" len="med"/>
+                          <a:tailEnd type="none" w="med" len="med"/>
+                        </a:lnB>
+                        <a:lnTlToBr w="12700" cmpd="sng">
+                          <a:noFill/>
+                          <a:prstDash val="solid"/>
+                        </a:lnTlToBr>
+                        <a:lnBlToTr w="12700" cmpd="sng">
+                          <a:noFill/>
+                          <a:prstDash val="solid"/>
+                        </a:lnBlToTr>
+                      </a:tcPr>
+                    </a:tc>
+                    <a:tc>
+                      <a:txBody>
+                        <a:bodyPr/>
+                        <a:lstStyle/>
+                        <a:p>
+                          <a:endParaRPr lang="zh-CN"/>
+                        </a:p>
+                      </a:txBody>
+                      <a:tcPr anchor="b">
+                        <a:lnL w="12700" cap="flat" cmpd="sng" algn="ctr">
+                          <a:noFill/>
+                          <a:prstDash val="solid"/>
+                          <a:round/>
+                          <a:headEnd type="none" w="med" len="med"/>
+                          <a:tailEnd type="none" w="med" len="med"/>
+                        </a:lnL>
+                        <a:lnR w="12700" cap="flat" cmpd="sng" algn="ctr">
+                          <a:noFill/>
+                          <a:prstDash val="solid"/>
+                          <a:round/>
+                          <a:headEnd type="none" w="med" len="med"/>
+                          <a:tailEnd type="none" w="med" len="med"/>
+                        </a:lnR>
+                        <a:lnT w="12700" cap="flat" cmpd="sng" algn="ctr">
+                          <a:noFill/>
+                          <a:prstDash val="solid"/>
+                          <a:round/>
+                          <a:headEnd type="none" w="med" len="med"/>
+                          <a:tailEnd type="none" w="med" len="med"/>
+                        </a:lnT>
+                        <a:lnB w="12700" cap="flat" cmpd="sng" algn="ctr">
+                          <a:noFill/>
+                          <a:prstDash val="solid"/>
+                          <a:round/>
+                          <a:headEnd type="none" w="med" len="med"/>
+                          <a:tailEnd type="none" w="med" len="med"/>
+                        </a:lnB>
+                        <a:lnTlToBr w="12700" cmpd="sng">
+                          <a:noFill/>
+                          <a:prstDash val="solid"/>
+                        </a:lnTlToBr>
+                        <a:lnBlToTr w="12700" cmpd="sng">
+                          <a:noFill/>
+                          <a:prstDash val="solid"/>
+                        </a:lnBlToTr>
+                        <a:blipFill>
+                          <a:blip r:embed="rId5"/>
+                          <a:stretch>
+                            <a:fillRect l="-34225" r="-242246" b="-79518"/>
+                          </a:stretch>
+                        </a:blipFill>
+                      </a:tcPr>
+                    </a:tc>
+                    <a:tc>
+                      <a:txBody>
+                        <a:bodyPr/>
+                        <a:lstStyle/>
+                        <a:p>
+                          <a:endParaRPr lang="en-AU" sz="1600" dirty="0"/>
+                        </a:p>
+                      </a:txBody>
+                      <a:tcPr>
+                        <a:lnL w="12700" cap="flat" cmpd="sng" algn="ctr">
+                          <a:noFill/>
+                          <a:prstDash val="solid"/>
+                          <a:round/>
+                          <a:headEnd type="none" w="med" len="med"/>
+                          <a:tailEnd type="none" w="med" len="med"/>
+                        </a:lnL>
+                        <a:lnR w="12700" cap="flat" cmpd="sng" algn="ctr">
+                          <a:noFill/>
+                          <a:prstDash val="solid"/>
+                          <a:round/>
+                          <a:headEnd type="none" w="med" len="med"/>
+                          <a:tailEnd type="none" w="med" len="med"/>
+                        </a:lnR>
+                        <a:lnT w="12700" cap="flat" cmpd="sng" algn="ctr">
+                          <a:noFill/>
+                          <a:prstDash val="solid"/>
+                          <a:round/>
+                          <a:headEnd type="none" w="med" len="med"/>
+                          <a:tailEnd type="none" w="med" len="med"/>
+                        </a:lnT>
+                        <a:lnB w="12700" cap="flat" cmpd="sng" algn="ctr">
+                          <a:noFill/>
+                          <a:prstDash val="solid"/>
+                          <a:round/>
+                          <a:headEnd type="none" w="med" len="med"/>
+                          <a:tailEnd type="none" w="med" len="med"/>
+                        </a:lnB>
+                        <a:lnTlToBr w="12700" cmpd="sng">
+                          <a:noFill/>
+                          <a:prstDash val="solid"/>
+                        </a:lnTlToBr>
+                        <a:lnBlToTr w="12700" cmpd="sng">
+                          <a:noFill/>
+                          <a:prstDash val="solid"/>
+                        </a:lnBlToTr>
+                      </a:tcPr>
+                    </a:tc>
+                    <a:tc>
+                      <a:txBody>
+                        <a:bodyPr/>
+                        <a:lstStyle/>
+                        <a:p>
+                          <a:endParaRPr lang="zh-CN"/>
+                        </a:p>
+                      </a:txBody>
+                      <a:tcPr anchor="b">
+                        <a:lnL w="12700" cap="flat" cmpd="sng" algn="ctr">
+                          <a:noFill/>
+                          <a:prstDash val="solid"/>
+                          <a:round/>
+                          <a:headEnd type="none" w="med" len="med"/>
+                          <a:tailEnd type="none" w="med" len="med"/>
+                        </a:lnL>
+                        <a:lnR w="12700" cap="flat" cmpd="sng" algn="ctr">
+                          <a:noFill/>
+                          <a:prstDash val="solid"/>
+                          <a:round/>
+                          <a:headEnd type="none" w="med" len="med"/>
+                          <a:tailEnd type="none" w="med" len="med"/>
+                        </a:lnR>
+                        <a:lnT w="12700" cap="flat" cmpd="sng" algn="ctr">
+                          <a:noFill/>
+                          <a:prstDash val="solid"/>
+                          <a:round/>
+                          <a:headEnd type="none" w="med" len="med"/>
+                          <a:tailEnd type="none" w="med" len="med"/>
+                        </a:lnT>
+                        <a:lnB w="12700" cap="flat" cmpd="sng" algn="ctr">
+                          <a:noFill/>
+                          <a:prstDash val="solid"/>
+                          <a:round/>
+                          <a:headEnd type="none" w="med" len="med"/>
+                          <a:tailEnd type="none" w="med" len="med"/>
+                        </a:lnB>
+                        <a:lnTlToBr w="12700" cmpd="sng">
+                          <a:noFill/>
+                          <a:prstDash val="solid"/>
+                        </a:lnTlToBr>
+                        <a:lnBlToTr w="12700" cmpd="sng">
+                          <a:noFill/>
+                          <a:prstDash val="solid"/>
+                        </a:lnBlToTr>
+                        <a:blipFill>
+                          <a:blip r:embed="rId5"/>
+                          <a:stretch>
+                            <a:fillRect l="-78228" b="-79518"/>
+                          </a:stretch>
+                        </a:blipFill>
+                      </a:tcPr>
+                    </a:tc>
+                    <a:extLst>
+                      <a:ext uri="{0D108BD9-81ED-4DB2-BD59-A6C34878D82A}">
+                        <a16:rowId xmlns:a16="http://schemas.microsoft.com/office/drawing/2014/main" val="1758572500"/>
+                      </a:ext>
+                    </a:extLst>
+                  </a:tr>
+                  <a:tr h="399749">
+                    <a:tc>
+                      <a:txBody>
+                        <a:bodyPr/>
+                        <a:lstStyle/>
+                        <a:p>
+                          <a:endParaRPr lang="en-AU" dirty="0"/>
+                        </a:p>
+                      </a:txBody>
+                      <a:tcPr>
+                        <a:lnL w="12700" cap="flat" cmpd="sng" algn="ctr">
+                          <a:noFill/>
+                          <a:prstDash val="solid"/>
+                          <a:round/>
+                          <a:headEnd type="none" w="med" len="med"/>
+                          <a:tailEnd type="none" w="med" len="med"/>
+                        </a:lnL>
+                        <a:lnR w="12700" cap="flat" cmpd="sng" algn="ctr">
+                          <a:noFill/>
+                          <a:prstDash val="solid"/>
+                          <a:round/>
+                          <a:headEnd type="none" w="med" len="med"/>
+                          <a:tailEnd type="none" w="med" len="med"/>
+                        </a:lnR>
+                        <a:lnT w="12700" cap="flat" cmpd="sng" algn="ctr">
+                          <a:noFill/>
+                          <a:prstDash val="solid"/>
+                          <a:round/>
+                          <a:headEnd type="none" w="med" len="med"/>
+                          <a:tailEnd type="none" w="med" len="med"/>
+                        </a:lnT>
+                        <a:lnB w="12700" cap="flat" cmpd="sng" algn="ctr">
+                          <a:noFill/>
+                          <a:prstDash val="solid"/>
+                          <a:round/>
+                          <a:headEnd type="none" w="med" len="med"/>
+                          <a:tailEnd type="none" w="med" len="med"/>
+                        </a:lnB>
+                        <a:lnTlToBr w="12700" cmpd="sng">
+                          <a:noFill/>
+                          <a:prstDash val="solid"/>
+                        </a:lnTlToBr>
+                        <a:lnBlToTr w="12700" cmpd="sng">
+                          <a:noFill/>
+                          <a:prstDash val="solid"/>
+                        </a:lnBlToTr>
+                      </a:tcPr>
+                    </a:tc>
+                    <a:tc>
+                      <a:txBody>
+                        <a:bodyPr/>
+                        <a:lstStyle/>
+                        <a:p>
+                          <a:endParaRPr lang="zh-CN"/>
+                        </a:p>
+                      </a:txBody>
+                      <a:tcPr>
+                        <a:lnL w="12700" cap="flat" cmpd="sng" algn="ctr">
+                          <a:noFill/>
+                          <a:prstDash val="solid"/>
+                          <a:round/>
+                          <a:headEnd type="none" w="med" len="med"/>
+                          <a:tailEnd type="none" w="med" len="med"/>
+                        </a:lnL>
+                        <a:lnR w="12700" cap="flat" cmpd="sng" algn="ctr">
+                          <a:noFill/>
+                          <a:prstDash val="solid"/>
+                          <a:round/>
+                          <a:headEnd type="none" w="med" len="med"/>
+                          <a:tailEnd type="none" w="med" len="med"/>
+                        </a:lnR>
+                        <a:lnT w="12700" cap="flat" cmpd="sng" algn="ctr">
+                          <a:noFill/>
+                          <a:prstDash val="solid"/>
+                          <a:round/>
+                          <a:headEnd type="none" w="med" len="med"/>
+                          <a:tailEnd type="none" w="med" len="med"/>
+                        </a:lnT>
+                        <a:lnB w="12700" cap="flat" cmpd="sng" algn="ctr">
+                          <a:noFill/>
+                          <a:prstDash val="solid"/>
+                          <a:round/>
+                          <a:headEnd type="none" w="med" len="med"/>
+                          <a:tailEnd type="none" w="med" len="med"/>
+                        </a:lnB>
+                        <a:lnTlToBr w="12700" cmpd="sng">
+                          <a:noFill/>
+                          <a:prstDash val="solid"/>
+                        </a:lnTlToBr>
+                        <a:lnBlToTr w="12700" cmpd="sng">
+                          <a:noFill/>
+                          <a:prstDash val="solid"/>
+                        </a:lnBlToTr>
+                        <a:blipFill>
+                          <a:blip r:embed="rId5"/>
+                          <a:stretch>
+                            <a:fillRect l="-34225" t="-125758" r="-242246"/>
+                          </a:stretch>
+                        </a:blipFill>
+                      </a:tcPr>
+                    </a:tc>
+                    <a:tc>
+                      <a:txBody>
+                        <a:bodyPr/>
+                        <a:lstStyle/>
+                        <a:p>
+                          <a:endParaRPr lang="en-AU" sz="1600"/>
+                        </a:p>
+                      </a:txBody>
+                      <a:tcPr>
+                        <a:lnL w="12700" cap="flat" cmpd="sng" algn="ctr">
+                          <a:noFill/>
+                          <a:prstDash val="solid"/>
+                          <a:round/>
+                          <a:headEnd type="none" w="med" len="med"/>
+                          <a:tailEnd type="none" w="med" len="med"/>
+                        </a:lnL>
+                        <a:lnR w="12700" cap="flat" cmpd="sng" algn="ctr">
+                          <a:noFill/>
+                          <a:prstDash val="solid"/>
+                          <a:round/>
+                          <a:headEnd type="none" w="med" len="med"/>
+                          <a:tailEnd type="none" w="med" len="med"/>
+                        </a:lnR>
+                        <a:lnT w="12700" cap="flat" cmpd="sng" algn="ctr">
+                          <a:noFill/>
+                          <a:prstDash val="solid"/>
+                          <a:round/>
+                          <a:headEnd type="none" w="med" len="med"/>
+                          <a:tailEnd type="none" w="med" len="med"/>
+                        </a:lnT>
+                        <a:lnB w="12700" cap="flat" cmpd="sng" algn="ctr">
+                          <a:noFill/>
+                          <a:prstDash val="solid"/>
+                          <a:round/>
+                          <a:headEnd type="none" w="med" len="med"/>
+                          <a:tailEnd type="none" w="med" len="med"/>
+                        </a:lnB>
+                        <a:lnTlToBr w="12700" cmpd="sng">
+                          <a:noFill/>
+                          <a:prstDash val="solid"/>
+                        </a:lnTlToBr>
+                        <a:lnBlToTr w="12700" cmpd="sng">
+                          <a:noFill/>
+                          <a:prstDash val="solid"/>
+                        </a:lnBlToTr>
+                      </a:tcPr>
+                    </a:tc>
+                    <a:tc>
+                      <a:txBody>
+                        <a:bodyPr/>
+                        <a:lstStyle/>
+                        <a:p>
+                          <a:pPr marL="0" marR="0" lvl="0" indent="0" algn="l" defTabSz="914400" rtl="0" eaLnBrk="1" fontAlgn="auto" latinLnBrk="0" hangingPunct="1">
+                            <a:lnSpc>
+                              <a:spcPct val="100000"/>
+                            </a:lnSpc>
+                            <a:spcBef>
+                              <a:spcPts val="0"/>
+                            </a:spcBef>
+                            <a:spcAft>
+                              <a:spcPts val="0"/>
+                            </a:spcAft>
+                            <a:buClrTx/>
+                            <a:buSzTx/>
+                            <a:buFontTx/>
+                            <a:buNone/>
+                            <a:tabLst/>
+                            <a:defRPr/>
+                          </a:pPr>
+                          <a:r>
+                            <a:rPr kumimoji="0" lang="en-US" altLang="zh-CN" sz="1100" u="none" strike="noStrike" kern="1200" cap="none" spc="0" normalizeH="0" baseline="0" noProof="0" dirty="0">
+                              <a:ln>
+                                <a:noFill/>
+                              </a:ln>
+                              <a:effectLst/>
+                              <a:uLnTx/>
+                              <a:uFillTx/>
+                            </a:rPr>
+                            <a:t>Safe to fix (Iteration 2)</a:t>
+                          </a:r>
+                          <a:endParaRPr kumimoji="0" lang="zh-CN" altLang="en-US" sz="1100" b="0" i="0" u="none" strike="noStrike" kern="1200" cap="none" spc="0" normalizeH="0" baseline="0" noProof="0" dirty="0">
+                            <a:ln>
+                              <a:noFill/>
+                            </a:ln>
+                            <a:solidFill>
+                              <a:prstClr val="black"/>
+                            </a:solidFill>
+                            <a:effectLst/>
+                            <a:uLnTx/>
+                            <a:uFillTx/>
+                            <a:latin typeface="+mn-lt"/>
+                            <a:ea typeface="+mn-ea"/>
+                            <a:cs typeface="+mn-cs"/>
+                          </a:endParaRPr>
+                        </a:p>
+                      </a:txBody>
+                      <a:tcPr>
+                        <a:lnL w="12700" cap="flat" cmpd="sng" algn="ctr">
+                          <a:noFill/>
+                          <a:prstDash val="solid"/>
+                          <a:round/>
+                          <a:headEnd type="none" w="med" len="med"/>
+                          <a:tailEnd type="none" w="med" len="med"/>
+                        </a:lnL>
+                        <a:lnR w="12700" cap="flat" cmpd="sng" algn="ctr">
+                          <a:noFill/>
+                          <a:prstDash val="solid"/>
+                          <a:round/>
+                          <a:headEnd type="none" w="med" len="med"/>
+                          <a:tailEnd type="none" w="med" len="med"/>
+                        </a:lnR>
+                        <a:lnT w="12700" cap="flat" cmpd="sng" algn="ctr">
+                          <a:noFill/>
+                          <a:prstDash val="solid"/>
+                          <a:round/>
+                          <a:headEnd type="none" w="med" len="med"/>
+                          <a:tailEnd type="none" w="med" len="med"/>
+                        </a:lnT>
+                        <a:lnB w="12700" cap="flat" cmpd="sng" algn="ctr">
+                          <a:noFill/>
+                          <a:prstDash val="solid"/>
+                          <a:round/>
+                          <a:headEnd type="none" w="med" len="med"/>
+                          <a:tailEnd type="none" w="med" len="med"/>
+                        </a:lnB>
+                        <a:lnTlToBr w="12700" cmpd="sng">
+                          <a:noFill/>
+                          <a:prstDash val="solid"/>
+                        </a:lnTlToBr>
+                        <a:lnBlToTr w="12700" cmpd="sng">
+                          <a:noFill/>
+                          <a:prstDash val="solid"/>
+                        </a:lnBlToTr>
+                      </a:tcPr>
+                    </a:tc>
+                    <a:extLst>
+                      <a:ext uri="{0D108BD9-81ED-4DB2-BD59-A6C34878D82A}">
+                        <a16:rowId xmlns:a16="http://schemas.microsoft.com/office/drawing/2014/main" val="3332367985"/>
+                      </a:ext>
+                    </a:extLst>
+                  </a:tr>
+                </a:tbl>
+              </a:graphicData>
+            </a:graphic>
+          </p:graphicFrame>
+        </mc:Fallback>
+      </mc:AlternateContent>
+      <p:sp>
+        <p:nvSpPr>
+          <p:cNvPr id="24" name="矩形 23"/>
+          <p:cNvSpPr/>
+          <p:nvPr/>
+        </p:nvSpPr>
+        <p:spPr>
+          <a:xfrm>
+            <a:off x="6156835" y="5077264"/>
+            <a:ext cx="383526" cy="234783"/>
+          </a:xfrm>
+          <a:prstGeom prst="rect">
+            <a:avLst/>
+          </a:prstGeom>
+          <a:solidFill>
+            <a:srgbClr val="3366FF"/>
+          </a:solidFill>
+          <a:ln>
+            <a:noFill/>
+          </a:ln>
+        </p:spPr>
+        <p:style>
+          <a:lnRef idx="2">
+            <a:schemeClr val="accent1">
+              <a:shade val="50000"/>
+            </a:schemeClr>
+          </a:lnRef>
+          <a:fillRef idx="1">
+            <a:schemeClr val="accent1"/>
+          </a:fillRef>
+          <a:effectRef idx="0">
+            <a:schemeClr val="accent1"/>
+          </a:effectRef>
+          <a:fontRef idx="minor">
+            <a:schemeClr val="lt1"/>
+          </a:fontRef>
+        </p:style>
+        <p:txBody>
+          <a:bodyPr rtlCol="0" anchor="ctr"/>
+          <a:lstStyle/>
+          <a:p>
+            <a:pPr algn="ctr"/>
+            <a:endParaRPr lang="zh-CN" altLang="en-US"/>
+          </a:p>
+        </p:txBody>
+      </p:sp>
+      <p:sp>
+        <p:nvSpPr>
+          <p:cNvPr id="26" name="矩形 25"/>
+          <p:cNvSpPr/>
+          <p:nvPr/>
+        </p:nvSpPr>
+        <p:spPr>
+          <a:xfrm>
+            <a:off x="7640018" y="4753708"/>
+            <a:ext cx="383526" cy="234783"/>
+          </a:xfrm>
+          <a:prstGeom prst="rect">
+            <a:avLst/>
+          </a:prstGeom>
+          <a:solidFill>
+            <a:srgbClr val="92D050"/>
+          </a:solidFill>
+          <a:ln>
+            <a:noFill/>
+          </a:ln>
+        </p:spPr>
+        <p:style>
+          <a:lnRef idx="2">
+            <a:schemeClr val="accent1">
+              <a:shade val="50000"/>
+            </a:schemeClr>
+          </a:lnRef>
+          <a:fillRef idx="1">
+            <a:schemeClr val="accent1"/>
+          </a:fillRef>
+          <a:effectRef idx="0">
+            <a:schemeClr val="accent1"/>
+          </a:effectRef>
+          <a:fontRef idx="minor">
+            <a:schemeClr val="lt1"/>
+          </a:fontRef>
+        </p:style>
+        <p:txBody>
+          <a:bodyPr rtlCol="0" anchor="ctr"/>
+          <a:lstStyle/>
+          <a:p>
+            <a:pPr algn="ctr"/>
+            <a:endParaRPr lang="zh-CN" altLang="en-US"/>
+          </a:p>
+        </p:txBody>
+      </p:sp>
+      <p:sp>
+        <p:nvSpPr>
+          <p:cNvPr id="27" name="矩形 26"/>
+          <p:cNvSpPr/>
+          <p:nvPr/>
+        </p:nvSpPr>
+        <p:spPr>
+          <a:xfrm>
+            <a:off x="7638774" y="5065238"/>
+            <a:ext cx="383526" cy="234783"/>
+          </a:xfrm>
+          <a:prstGeom prst="rect">
+            <a:avLst/>
+          </a:prstGeom>
+          <a:solidFill>
+            <a:srgbClr val="FF9933"/>
+          </a:solidFill>
+          <a:ln>
+            <a:noFill/>
+          </a:ln>
+        </p:spPr>
+        <p:style>
+          <a:lnRef idx="2">
+            <a:schemeClr val="accent1">
+              <a:shade val="50000"/>
+            </a:schemeClr>
+          </a:lnRef>
+          <a:fillRef idx="1">
+            <a:schemeClr val="accent1"/>
+          </a:fillRef>
+          <a:effectRef idx="0">
+            <a:schemeClr val="accent1"/>
+          </a:effectRef>
+          <a:fontRef idx="minor">
+            <a:schemeClr val="lt1"/>
+          </a:fontRef>
+        </p:style>
+        <p:txBody>
+          <a:bodyPr rtlCol="0" anchor="ctr"/>
+          <a:lstStyle/>
+          <a:p>
+            <a:pPr algn="ctr"/>
+            <a:endParaRPr lang="zh-CN" altLang="en-US"/>
+          </a:p>
+        </p:txBody>
+      </p:sp>
+      <p:sp>
+        <p:nvSpPr>
+          <p:cNvPr id="28" name="矩形 27"/>
+          <p:cNvSpPr/>
+          <p:nvPr/>
+        </p:nvSpPr>
+        <p:spPr>
+          <a:xfrm>
+            <a:off x="6156835" y="4762900"/>
+            <a:ext cx="383526" cy="223775"/>
+          </a:xfrm>
+          <a:prstGeom prst="rect">
+            <a:avLst/>
+          </a:prstGeom>
+          <a:solidFill>
+            <a:srgbClr val="FFF2CC"/>
+          </a:solidFill>
+          <a:ln>
+            <a:noFill/>
+          </a:ln>
+        </p:spPr>
+        <p:style>
+          <a:lnRef idx="2">
+            <a:schemeClr val="accent1">
+              <a:shade val="50000"/>
+            </a:schemeClr>
+          </a:lnRef>
+          <a:fillRef idx="1">
+            <a:schemeClr val="accent1"/>
+          </a:fillRef>
+          <a:effectRef idx="0">
+            <a:schemeClr val="accent1"/>
+          </a:effectRef>
+          <a:fontRef idx="minor">
+            <a:schemeClr val="lt1"/>
+          </a:fontRef>
+        </p:style>
+        <p:txBody>
+          <a:bodyPr rtlCol="0" anchor="ctr"/>
+          <a:lstStyle/>
+          <a:p>
+            <a:pPr algn="ctr"/>
+            <a:endParaRPr lang="zh-CN" altLang="en-US">
+              <a:solidFill>
+                <a:srgbClr val="FFF2CC"/>
+              </a:solidFill>
+            </a:endParaRPr>
+          </a:p>
+        </p:txBody>
+      </p:sp>
+      <p:sp>
+        <p:nvSpPr>
+          <p:cNvPr id="30" name="TextBox 12"/>
+          <p:cNvSpPr txBox="1"/>
+          <p:nvPr/>
+        </p:nvSpPr>
+        <p:spPr>
+          <a:xfrm>
+            <a:off x="6531483" y="4378481"/>
+            <a:ext cx="808434" cy="276999"/>
+          </a:xfrm>
+          <a:prstGeom prst="rect">
+            <a:avLst/>
+          </a:prstGeom>
+          <a:noFill/>
+        </p:spPr>
+        <p:txBody>
+          <a:bodyPr wrap="square" rtlCol="0">
+            <a:spAutoFit/>
+          </a:bodyPr>
+          <a:lstStyle/>
+          <a:p>
+            <a:r>
+              <a:rPr lang="en-US" altLang="zh-CN" sz="1200" b="1" dirty="0"/>
+              <a:t>Legend</a:t>
+            </a:r>
+            <a:endParaRPr lang="zh-CN" altLang="en-US" sz="1200" b="1" dirty="0"/>
+          </a:p>
+        </p:txBody>
+      </p:sp>
+      <p:sp>
+        <p:nvSpPr>
+          <p:cNvPr id="6" name="文本框 5">
+            <a:extLst>
+              <a:ext uri="{FF2B5EF4-FFF2-40B4-BE49-F238E27FC236}">
+                <a16:creationId xmlns:a16="http://schemas.microsoft.com/office/drawing/2014/main" id="{28814505-4E83-494D-B912-3CF057122162}"/>
+              </a:ext>
+            </a:extLst>
+          </p:cNvPr>
+          <p:cNvSpPr txBox="1"/>
+          <p:nvPr/>
+        </p:nvSpPr>
+        <p:spPr>
+          <a:xfrm>
+            <a:off x="1144942" y="1118782"/>
+            <a:ext cx="1196344" cy="369332"/>
+          </a:xfrm>
+          <a:prstGeom prst="rect">
+            <a:avLst/>
+          </a:prstGeom>
+          <a:noFill/>
+        </p:spPr>
+        <p:txBody>
+          <a:bodyPr wrap="square" rtlCol="0">
+            <a:spAutoFit/>
+          </a:bodyPr>
+          <a:lstStyle/>
+          <a:p>
+            <a:r>
+              <a:rPr lang="en-US" altLang="zh-CN" dirty="0"/>
+              <a:t>(a)</a:t>
+            </a:r>
+            <a:endParaRPr lang="zh-CN" altLang="en-US" dirty="0"/>
+          </a:p>
+        </p:txBody>
+      </p:sp>
+      <p:sp>
+        <p:nvSpPr>
+          <p:cNvPr id="7" name="文本框 6">
+            <a:extLst>
+              <a:ext uri="{FF2B5EF4-FFF2-40B4-BE49-F238E27FC236}">
+                <a16:creationId xmlns:a16="http://schemas.microsoft.com/office/drawing/2014/main" id="{4242664B-2B96-4570-AA2E-5FBA4452D745}"/>
+              </a:ext>
+            </a:extLst>
+          </p:cNvPr>
+          <p:cNvSpPr txBox="1"/>
+          <p:nvPr/>
+        </p:nvSpPr>
+        <p:spPr>
+          <a:xfrm>
+            <a:off x="6484799" y="1145416"/>
+            <a:ext cx="1063356" cy="369332"/>
+          </a:xfrm>
+          <a:prstGeom prst="rect">
+            <a:avLst/>
+          </a:prstGeom>
+          <a:noFill/>
+        </p:spPr>
+        <p:txBody>
+          <a:bodyPr wrap="square" rtlCol="0">
+            <a:spAutoFit/>
+          </a:bodyPr>
+          <a:lstStyle/>
+          <a:p>
+            <a:r>
+              <a:rPr lang="en-US" altLang="zh-CN" dirty="0"/>
+              <a:t>(b)</a:t>
+            </a:r>
+            <a:endParaRPr lang="zh-CN" altLang="en-US" dirty="0"/>
+          </a:p>
+        </p:txBody>
+      </p:sp>
+      <p:sp>
+        <p:nvSpPr>
+          <p:cNvPr id="40" name="矩形 39">
+            <a:extLst>
+              <a:ext uri="{FF2B5EF4-FFF2-40B4-BE49-F238E27FC236}">
+                <a16:creationId xmlns:a16="http://schemas.microsoft.com/office/drawing/2014/main" id="{332A2A52-AD89-4362-B880-D7ACBC1A2B5E}"/>
+              </a:ext>
+            </a:extLst>
+          </p:cNvPr>
+          <p:cNvSpPr/>
+          <p:nvPr/>
+        </p:nvSpPr>
+        <p:spPr>
+          <a:xfrm>
+            <a:off x="7638774" y="4449788"/>
+            <a:ext cx="383526" cy="234783"/>
+          </a:xfrm>
+          <a:prstGeom prst="rect">
+            <a:avLst/>
+          </a:prstGeom>
+          <a:solidFill>
+            <a:srgbClr val="BFBFBF"/>
+          </a:solidFill>
+          <a:ln>
+            <a:noFill/>
+          </a:ln>
+        </p:spPr>
+        <p:style>
+          <a:lnRef idx="2">
+            <a:schemeClr val="accent1">
+              <a:shade val="50000"/>
+            </a:schemeClr>
+          </a:lnRef>
+          <a:fillRef idx="1">
+            <a:schemeClr val="accent1"/>
+          </a:fillRef>
+          <a:effectRef idx="0">
+            <a:schemeClr val="accent1"/>
+          </a:effectRef>
+          <a:fontRef idx="minor">
+            <a:schemeClr val="lt1"/>
+          </a:fontRef>
+        </p:style>
+        <p:txBody>
+          <a:bodyPr rtlCol="0" anchor="ctr"/>
+          <a:lstStyle/>
+          <a:p>
+            <a:pPr algn="ctr"/>
+            <a:endParaRPr lang="zh-CN" altLang="en-US"/>
+          </a:p>
+        </p:txBody>
+      </p:sp>
+      <p:sp>
+        <p:nvSpPr>
+          <p:cNvPr id="41" name="文本框 40">
+            <a:extLst>
+              <a:ext uri="{FF2B5EF4-FFF2-40B4-BE49-F238E27FC236}">
+                <a16:creationId xmlns:a16="http://schemas.microsoft.com/office/drawing/2014/main" id="{F51C97A1-71CE-4E86-B0E4-6F5932C652BF}"/>
+              </a:ext>
+            </a:extLst>
+          </p:cNvPr>
+          <p:cNvSpPr txBox="1"/>
+          <p:nvPr/>
+        </p:nvSpPr>
+        <p:spPr>
+          <a:xfrm>
+            <a:off x="8013422" y="4420861"/>
+            <a:ext cx="2582974" cy="261610"/>
+          </a:xfrm>
+          <a:prstGeom prst="rect">
+            <a:avLst/>
+          </a:prstGeom>
+          <a:noFill/>
+        </p:spPr>
+        <p:txBody>
+          <a:bodyPr wrap="square">
+            <a:spAutoFit/>
+          </a:bodyPr>
+          <a:lstStyle/>
+          <a:p>
+            <a:pPr marL="0" marR="0" lvl="0" indent="0" algn="l" defTabSz="914400" rtl="0" eaLnBrk="1" fontAlgn="auto" latinLnBrk="0" hangingPunct="1">
+              <a:lnSpc>
+                <a:spcPct val="100000"/>
+              </a:lnSpc>
+              <a:spcBef>
+                <a:spcPts val="0"/>
+              </a:spcBef>
+              <a:spcAft>
+                <a:spcPts val="0"/>
+              </a:spcAft>
+              <a:buClrTx/>
+              <a:buSzTx/>
+              <a:buFontTx/>
+              <a:buNone/>
+              <a:tabLst/>
+              <a:defRPr/>
+            </a:pPr>
+            <a:r>
+              <a:rPr lang="en-US" altLang="zh-CN" sz="1100" dirty="0"/>
+              <a:t>No evaluation of error metrics needed</a:t>
+            </a:r>
+            <a:endParaRPr lang="zh-CN" altLang="en-US" sz="1100" dirty="0"/>
+          </a:p>
+        </p:txBody>
+      </p:sp>
+      <p:sp>
+        <p:nvSpPr>
+          <p:cNvPr id="16" name="矩形 15">
+            <a:extLst>
+              <a:ext uri="{FF2B5EF4-FFF2-40B4-BE49-F238E27FC236}">
+                <a16:creationId xmlns:a16="http://schemas.microsoft.com/office/drawing/2014/main" id="{5D331CC4-EFDA-4EDD-8D54-62277CDCAFBB}"/>
+              </a:ext>
+            </a:extLst>
+          </p:cNvPr>
+          <p:cNvSpPr/>
+          <p:nvPr/>
+        </p:nvSpPr>
+        <p:spPr>
+          <a:xfrm>
+            <a:off x="6112446" y="4423155"/>
+            <a:ext cx="4194530" cy="902884"/>
+          </a:xfrm>
+          <a:prstGeom prst="rect">
+            <a:avLst/>
+          </a:prstGeom>
+          <a:noFill/>
+          <a:ln>
+            <a:solidFill>
+              <a:schemeClr val="tx1">
+                <a:lumMod val="85000"/>
+                <a:lumOff val="15000"/>
+              </a:schemeClr>
+            </a:solidFill>
+          </a:ln>
+        </p:spPr>
+        <p:style>
+          <a:lnRef idx="2">
+            <a:schemeClr val="accent1">
+              <a:shade val="50000"/>
+            </a:schemeClr>
+          </a:lnRef>
+          <a:fillRef idx="1">
+            <a:schemeClr val="accent1"/>
+          </a:fillRef>
+          <a:effectRef idx="0">
+            <a:schemeClr val="accent1"/>
+          </a:effectRef>
+          <a:fontRef idx="minor">
+            <a:schemeClr val="lt1"/>
+          </a:fontRef>
+        </p:style>
+        <p:txBody>
+          <a:bodyPr rtlCol="0" anchor="ctr"/>
+          <a:lstStyle/>
+          <a:p>
+            <a:pPr algn="ctr"/>
+            <a:endParaRPr lang="zh-CN" altLang="en-US"/>
+          </a:p>
+        </p:txBody>
+      </p:sp>
+    </p:spTree>
+    <p:extLst>
+      <p:ext uri="{BB962C8B-B14F-4D97-AF65-F5344CB8AC3E}">
+        <p14:creationId xmlns:p14="http://schemas.microsoft.com/office/powerpoint/2010/main" val="3558924813"/>
+      </p:ext>
+    </p:extLst>
+  </p:cSld>
+  <p:clrMapOvr>
+    <a:masterClrMapping/>
+  </p:clrMapOvr>
+</p:sld>
+</file>
+
+<file path=ppt/slides/slide6.xml><?xml version="1.0" encoding="utf-8"?>
 <p:sld xmlns:a="http://schemas.openxmlformats.org/drawingml/2006/main" xmlns:r="http://schemas.openxmlformats.org/officeDocument/2006/relationships" xmlns:p="http://schemas.openxmlformats.org/presentationml/2006/main">
   <p:cSld>
     <p:spTree>
